--- a/withTuple/Figure/trials.pptx
+++ b/withTuple/Figure/trials.pptx
@@ -15,9 +15,10 @@
     <p:sldId id="263" r:id="rId9"/>
     <p:sldId id="264" r:id="rId10"/>
     <p:sldId id="265" r:id="rId11"/>
-    <p:sldId id="266" r:id="rId12"/>
-    <p:sldId id="267" r:id="rId13"/>
-    <p:sldId id="268" r:id="rId14"/>
+    <p:sldId id="267" r:id="rId12"/>
+    <p:sldId id="268" r:id="rId13"/>
+    <p:sldId id="266" r:id="rId14"/>
+    <p:sldId id="269" r:id="rId15"/>
   </p:sldIdLst>
   <p:sldSz cx="12192000" cy="6858000"/>
   <p:notesSz cx="6858000" cy="9144000"/>
@@ -271,7 +272,7 @@
           <a:p>
             <a:fld id="{ACE3A02D-358F-4EAA-8AB7-42342BFD6915}" type="datetimeFigureOut">
               <a:rPr kumimoji="1" lang="ja-JP" altLang="en-US" smtClean="0"/>
-              <a:t>2020/7/29</a:t>
+              <a:t>2020/7/30</a:t>
             </a:fld>
             <a:endParaRPr kumimoji="1" lang="ja-JP" altLang="en-US"/>
           </a:p>
@@ -501,7 +502,7 @@
           <a:p>
             <a:fld id="{ACE3A02D-358F-4EAA-8AB7-42342BFD6915}" type="datetimeFigureOut">
               <a:rPr kumimoji="1" lang="ja-JP" altLang="en-US" smtClean="0"/>
-              <a:t>2020/7/29</a:t>
+              <a:t>2020/7/30</a:t>
             </a:fld>
             <a:endParaRPr kumimoji="1" lang="ja-JP" altLang="en-US"/>
           </a:p>
@@ -741,7 +742,7 @@
           <a:p>
             <a:fld id="{ACE3A02D-358F-4EAA-8AB7-42342BFD6915}" type="datetimeFigureOut">
               <a:rPr kumimoji="1" lang="ja-JP" altLang="en-US" smtClean="0"/>
-              <a:t>2020/7/29</a:t>
+              <a:t>2020/7/30</a:t>
             </a:fld>
             <a:endParaRPr kumimoji="1" lang="ja-JP" altLang="en-US"/>
           </a:p>
@@ -971,7 +972,7 @@
           <a:p>
             <a:fld id="{ACE3A02D-358F-4EAA-8AB7-42342BFD6915}" type="datetimeFigureOut">
               <a:rPr kumimoji="1" lang="ja-JP" altLang="en-US" smtClean="0"/>
-              <a:t>2020/7/29</a:t>
+              <a:t>2020/7/30</a:t>
             </a:fld>
             <a:endParaRPr kumimoji="1" lang="ja-JP" altLang="en-US"/>
           </a:p>
@@ -1246,7 +1247,7 @@
           <a:p>
             <a:fld id="{ACE3A02D-358F-4EAA-8AB7-42342BFD6915}" type="datetimeFigureOut">
               <a:rPr kumimoji="1" lang="ja-JP" altLang="en-US" smtClean="0"/>
-              <a:t>2020/7/29</a:t>
+              <a:t>2020/7/30</a:t>
             </a:fld>
             <a:endParaRPr kumimoji="1" lang="ja-JP" altLang="en-US"/>
           </a:p>
@@ -1575,7 +1576,7 @@
           <a:p>
             <a:fld id="{ACE3A02D-358F-4EAA-8AB7-42342BFD6915}" type="datetimeFigureOut">
               <a:rPr kumimoji="1" lang="ja-JP" altLang="en-US" smtClean="0"/>
-              <a:t>2020/7/29</a:t>
+              <a:t>2020/7/30</a:t>
             </a:fld>
             <a:endParaRPr kumimoji="1" lang="ja-JP" altLang="en-US"/>
           </a:p>
@@ -2051,7 +2052,7 @@
           <a:p>
             <a:fld id="{ACE3A02D-358F-4EAA-8AB7-42342BFD6915}" type="datetimeFigureOut">
               <a:rPr kumimoji="1" lang="ja-JP" altLang="en-US" smtClean="0"/>
-              <a:t>2020/7/29</a:t>
+              <a:t>2020/7/30</a:t>
             </a:fld>
             <a:endParaRPr kumimoji="1" lang="ja-JP" altLang="en-US"/>
           </a:p>
@@ -2192,7 +2193,7 @@
           <a:p>
             <a:fld id="{ACE3A02D-358F-4EAA-8AB7-42342BFD6915}" type="datetimeFigureOut">
               <a:rPr kumimoji="1" lang="ja-JP" altLang="en-US" smtClean="0"/>
-              <a:t>2020/7/29</a:t>
+              <a:t>2020/7/30</a:t>
             </a:fld>
             <a:endParaRPr kumimoji="1" lang="ja-JP" altLang="en-US"/>
           </a:p>
@@ -2305,7 +2306,7 @@
           <a:p>
             <a:fld id="{ACE3A02D-358F-4EAA-8AB7-42342BFD6915}" type="datetimeFigureOut">
               <a:rPr kumimoji="1" lang="ja-JP" altLang="en-US" smtClean="0"/>
-              <a:t>2020/7/29</a:t>
+              <a:t>2020/7/30</a:t>
             </a:fld>
             <a:endParaRPr kumimoji="1" lang="ja-JP" altLang="en-US"/>
           </a:p>
@@ -2648,7 +2649,7 @@
           <a:p>
             <a:fld id="{ACE3A02D-358F-4EAA-8AB7-42342BFD6915}" type="datetimeFigureOut">
               <a:rPr kumimoji="1" lang="ja-JP" altLang="en-US" smtClean="0"/>
-              <a:t>2020/7/29</a:t>
+              <a:t>2020/7/30</a:t>
             </a:fld>
             <a:endParaRPr kumimoji="1" lang="ja-JP" altLang="en-US"/>
           </a:p>
@@ -2936,7 +2937,7 @@
           <a:p>
             <a:fld id="{ACE3A02D-358F-4EAA-8AB7-42342BFD6915}" type="datetimeFigureOut">
               <a:rPr kumimoji="1" lang="ja-JP" altLang="en-US" smtClean="0"/>
-              <a:t>2020/7/29</a:t>
+              <a:t>2020/7/30</a:t>
             </a:fld>
             <a:endParaRPr kumimoji="1" lang="ja-JP" altLang="en-US"/>
           </a:p>
@@ -3209,7 +3210,7 @@
           <a:p>
             <a:fld id="{ACE3A02D-358F-4EAA-8AB7-42342BFD6915}" type="datetimeFigureOut">
               <a:rPr kumimoji="1" lang="ja-JP" altLang="en-US" smtClean="0"/>
-              <a:t>2020/7/29</a:t>
+              <a:t>2020/7/30</a:t>
             </a:fld>
             <a:endParaRPr kumimoji="1" lang="ja-JP" altLang="en-US"/>
           </a:p>
@@ -3798,10 +3799,10 @@
       </p:grpSpPr>
       <p:pic>
         <p:nvPicPr>
-          <p:cNvPr id="3" name="図 2">
-            <a:extLst>
-              <a:ext uri="{FF2B5EF4-FFF2-40B4-BE49-F238E27FC236}">
-                <a16:creationId xmlns:a16="http://schemas.microsoft.com/office/drawing/2014/main" id="{2BFB963D-6093-46EC-BB45-134F8B4DB349}"/>
+          <p:cNvPr id="5" name="図 4">
+            <a:extLst>
+              <a:ext uri="{FF2B5EF4-FFF2-40B4-BE49-F238E27FC236}">
+                <a16:creationId xmlns:a16="http://schemas.microsoft.com/office/drawing/2014/main" id="{2AA90187-ADC8-483F-9E86-3A79A8CC1B1C}"/>
               </a:ext>
             </a:extLst>
           </p:cNvPr>
@@ -3818,38 +3819,8 @@
         </p:blipFill>
         <p:spPr>
           <a:xfrm>
-            <a:off x="0" y="0"/>
-            <a:ext cx="5728883" cy="6858000"/>
-          </a:xfrm>
-          <a:prstGeom prst="rect">
-            <a:avLst/>
-          </a:prstGeom>
-        </p:spPr>
-      </p:pic>
-      <p:pic>
-        <p:nvPicPr>
-          <p:cNvPr id="5" name="図 4">
-            <a:extLst>
-              <a:ext uri="{FF2B5EF4-FFF2-40B4-BE49-F238E27FC236}">
-                <a16:creationId xmlns:a16="http://schemas.microsoft.com/office/drawing/2014/main" id="{01121BCF-CA27-4AE9-92EB-FAC204EBE616}"/>
-              </a:ext>
-            </a:extLst>
-          </p:cNvPr>
-          <p:cNvPicPr>
-            <a:picLocks noChangeAspect="1"/>
-          </p:cNvPicPr>
-          <p:nvPr/>
-        </p:nvPicPr>
-        <p:blipFill>
-          <a:blip r:embed="rId3"/>
-          <a:stretch>
-            <a:fillRect/>
-          </a:stretch>
-        </p:blipFill>
-        <p:spPr>
-          <a:xfrm>
-            <a:off x="5971307" y="0"/>
-            <a:ext cx="6220693" cy="1228896"/>
+            <a:off x="1469645" y="0"/>
+            <a:ext cx="9252710" cy="6858000"/>
           </a:xfrm>
           <a:prstGeom prst="rect">
             <a:avLst/>
@@ -3859,7 +3830,7 @@
     </p:spTree>
     <p:extLst>
       <p:ext uri="{BB962C8B-B14F-4D97-AF65-F5344CB8AC3E}">
-        <p14:creationId xmlns:p14="http://schemas.microsoft.com/office/powerpoint/2010/main" val="1549116580"/>
+        <p14:creationId xmlns:p14="http://schemas.microsoft.com/office/powerpoint/2010/main" val="2584931029"/>
       </p:ext>
     </p:extLst>
   </p:cSld>
@@ -3886,10 +3857,40 @@
           <a:chExt cx="0" cy="0"/>
         </a:xfrm>
       </p:grpSpPr>
+      <p:pic>
+        <p:nvPicPr>
+          <p:cNvPr id="3" name="図 2">
+            <a:extLst>
+              <a:ext uri="{FF2B5EF4-FFF2-40B4-BE49-F238E27FC236}">
+                <a16:creationId xmlns:a16="http://schemas.microsoft.com/office/drawing/2014/main" id="{8C25BBA4-3228-4F95-9859-032FD547DDB8}"/>
+              </a:ext>
+            </a:extLst>
+          </p:cNvPr>
+          <p:cNvPicPr>
+            <a:picLocks noChangeAspect="1"/>
+          </p:cNvPicPr>
+          <p:nvPr/>
+        </p:nvPicPr>
+        <p:blipFill>
+          <a:blip r:embed="rId2"/>
+          <a:stretch>
+            <a:fillRect/>
+          </a:stretch>
+        </p:blipFill>
+        <p:spPr>
+          <a:xfrm>
+            <a:off x="2051437" y="0"/>
+            <a:ext cx="8089126" cy="6858000"/>
+          </a:xfrm>
+          <a:prstGeom prst="rect">
+            <a:avLst/>
+          </a:prstGeom>
+        </p:spPr>
+      </p:pic>
     </p:spTree>
     <p:extLst>
       <p:ext uri="{BB962C8B-B14F-4D97-AF65-F5344CB8AC3E}">
-        <p14:creationId xmlns:p14="http://schemas.microsoft.com/office/powerpoint/2010/main" val="2584931029"/>
+        <p14:creationId xmlns:p14="http://schemas.microsoft.com/office/powerpoint/2010/main" val="108425429"/>
       </p:ext>
     </p:extLst>
   </p:cSld>
@@ -3916,10 +3917,130 @@
           <a:chExt cx="0" cy="0"/>
         </a:xfrm>
       </p:grpSpPr>
+      <p:pic>
+        <p:nvPicPr>
+          <p:cNvPr id="7" name="図 6">
+            <a:extLst>
+              <a:ext uri="{FF2B5EF4-FFF2-40B4-BE49-F238E27FC236}">
+                <a16:creationId xmlns:a16="http://schemas.microsoft.com/office/drawing/2014/main" id="{97641F1B-B13C-42C7-A018-F77AD9B201AC}"/>
+              </a:ext>
+            </a:extLst>
+          </p:cNvPr>
+          <p:cNvPicPr>
+            <a:picLocks noChangeAspect="1"/>
+          </p:cNvPicPr>
+          <p:nvPr/>
+        </p:nvPicPr>
+        <p:blipFill>
+          <a:blip r:embed="rId2"/>
+          <a:stretch>
+            <a:fillRect/>
+          </a:stretch>
+        </p:blipFill>
+        <p:spPr>
+          <a:xfrm>
+            <a:off x="3123785" y="132890"/>
+            <a:ext cx="5944430" cy="6592220"/>
+          </a:xfrm>
+          <a:prstGeom prst="rect">
+            <a:avLst/>
+          </a:prstGeom>
+        </p:spPr>
+      </p:pic>
     </p:spTree>
     <p:extLst>
       <p:ext uri="{BB962C8B-B14F-4D97-AF65-F5344CB8AC3E}">
-        <p14:creationId xmlns:p14="http://schemas.microsoft.com/office/powerpoint/2010/main" val="108425429"/>
+        <p14:creationId xmlns:p14="http://schemas.microsoft.com/office/powerpoint/2010/main" val="1549116580"/>
+      </p:ext>
+    </p:extLst>
+  </p:cSld>
+  <p:clrMapOvr>
+    <a:masterClrMapping/>
+  </p:clrMapOvr>
+</p:sld>
+</file>
+
+<file path=ppt/slides/slide14.xml><?xml version="1.0" encoding="utf-8"?>
+<p:sld xmlns:a="http://schemas.openxmlformats.org/drawingml/2006/main" xmlns:r="http://schemas.openxmlformats.org/officeDocument/2006/relationships" xmlns:p="http://schemas.openxmlformats.org/presentationml/2006/main">
+  <p:cSld>
+    <p:spTree>
+      <p:nvGrpSpPr>
+        <p:cNvPr id="1" name=""/>
+        <p:cNvGrpSpPr/>
+        <p:nvPr/>
+      </p:nvGrpSpPr>
+      <p:grpSpPr>
+        <a:xfrm>
+          <a:off x="0" y="0"/>
+          <a:ext cx="0" cy="0"/>
+          <a:chOff x="0" y="0"/>
+          <a:chExt cx="0" cy="0"/>
+        </a:xfrm>
+      </p:grpSpPr>
+      <p:pic>
+        <p:nvPicPr>
+          <p:cNvPr id="5" name="図 4">
+            <a:extLst>
+              <a:ext uri="{FF2B5EF4-FFF2-40B4-BE49-F238E27FC236}">
+                <a16:creationId xmlns:a16="http://schemas.microsoft.com/office/drawing/2014/main" id="{FEE1F279-DF82-4140-ABE3-7D645DE9945A}"/>
+              </a:ext>
+            </a:extLst>
+          </p:cNvPr>
+          <p:cNvPicPr>
+            <a:picLocks noChangeAspect="1"/>
+          </p:cNvPicPr>
+          <p:nvPr/>
+        </p:nvPicPr>
+        <p:blipFill>
+          <a:blip r:embed="rId2"/>
+          <a:stretch>
+            <a:fillRect/>
+          </a:stretch>
+        </p:blipFill>
+        <p:spPr>
+          <a:xfrm>
+            <a:off x="532727" y="385473"/>
+            <a:ext cx="9640645" cy="4143953"/>
+          </a:xfrm>
+          <a:prstGeom prst="rect">
+            <a:avLst/>
+          </a:prstGeom>
+        </p:spPr>
+      </p:pic>
+      <p:pic>
+        <p:nvPicPr>
+          <p:cNvPr id="7" name="図 6">
+            <a:extLst>
+              <a:ext uri="{FF2B5EF4-FFF2-40B4-BE49-F238E27FC236}">
+                <a16:creationId xmlns:a16="http://schemas.microsoft.com/office/drawing/2014/main" id="{4B7B4390-734F-4479-8925-E660A9391165}"/>
+              </a:ext>
+            </a:extLst>
+          </p:cNvPr>
+          <p:cNvPicPr>
+            <a:picLocks noChangeAspect="1"/>
+          </p:cNvPicPr>
+          <p:nvPr/>
+        </p:nvPicPr>
+        <p:blipFill>
+          <a:blip r:embed="rId3"/>
+          <a:stretch>
+            <a:fillRect/>
+          </a:stretch>
+        </p:blipFill>
+        <p:spPr>
+          <a:xfrm>
+            <a:off x="1647178" y="5033895"/>
+            <a:ext cx="9269119" cy="962159"/>
+          </a:xfrm>
+          <a:prstGeom prst="rect">
+            <a:avLst/>
+          </a:prstGeom>
+        </p:spPr>
+      </p:pic>
+    </p:spTree>
+    <p:extLst>
+      <p:ext uri="{BB962C8B-B14F-4D97-AF65-F5344CB8AC3E}">
+        <p14:creationId xmlns:p14="http://schemas.microsoft.com/office/powerpoint/2010/main" val="2141958151"/>
       </p:ext>
     </p:extLst>
   </p:cSld>

--- a/withTuple/Figure/trials.pptx
+++ b/withTuple/Figure/trials.pptx
@@ -19,6 +19,11 @@
     <p:sldId id="268" r:id="rId13"/>
     <p:sldId id="266" r:id="rId14"/>
     <p:sldId id="269" r:id="rId15"/>
+    <p:sldId id="270" r:id="rId16"/>
+    <p:sldId id="271" r:id="rId17"/>
+    <p:sldId id="274" r:id="rId18"/>
+    <p:sldId id="273" r:id="rId19"/>
+    <p:sldId id="272" r:id="rId20"/>
   </p:sldIdLst>
   <p:sldSz cx="12192000" cy="6858000"/>
   <p:notesSz cx="6858000" cy="9144000"/>
@@ -272,7 +277,7 @@
           <a:p>
             <a:fld id="{ACE3A02D-358F-4EAA-8AB7-42342BFD6915}" type="datetimeFigureOut">
               <a:rPr kumimoji="1" lang="ja-JP" altLang="en-US" smtClean="0"/>
-              <a:t>2020/7/30</a:t>
+              <a:t>2020/8/2</a:t>
             </a:fld>
             <a:endParaRPr kumimoji="1" lang="ja-JP" altLang="en-US"/>
           </a:p>
@@ -502,7 +507,7 @@
           <a:p>
             <a:fld id="{ACE3A02D-358F-4EAA-8AB7-42342BFD6915}" type="datetimeFigureOut">
               <a:rPr kumimoji="1" lang="ja-JP" altLang="en-US" smtClean="0"/>
-              <a:t>2020/7/30</a:t>
+              <a:t>2020/8/2</a:t>
             </a:fld>
             <a:endParaRPr kumimoji="1" lang="ja-JP" altLang="en-US"/>
           </a:p>
@@ -742,7 +747,7 @@
           <a:p>
             <a:fld id="{ACE3A02D-358F-4EAA-8AB7-42342BFD6915}" type="datetimeFigureOut">
               <a:rPr kumimoji="1" lang="ja-JP" altLang="en-US" smtClean="0"/>
-              <a:t>2020/7/30</a:t>
+              <a:t>2020/8/2</a:t>
             </a:fld>
             <a:endParaRPr kumimoji="1" lang="ja-JP" altLang="en-US"/>
           </a:p>
@@ -972,7 +977,7 @@
           <a:p>
             <a:fld id="{ACE3A02D-358F-4EAA-8AB7-42342BFD6915}" type="datetimeFigureOut">
               <a:rPr kumimoji="1" lang="ja-JP" altLang="en-US" smtClean="0"/>
-              <a:t>2020/7/30</a:t>
+              <a:t>2020/8/2</a:t>
             </a:fld>
             <a:endParaRPr kumimoji="1" lang="ja-JP" altLang="en-US"/>
           </a:p>
@@ -1247,7 +1252,7 @@
           <a:p>
             <a:fld id="{ACE3A02D-358F-4EAA-8AB7-42342BFD6915}" type="datetimeFigureOut">
               <a:rPr kumimoji="1" lang="ja-JP" altLang="en-US" smtClean="0"/>
-              <a:t>2020/7/30</a:t>
+              <a:t>2020/8/2</a:t>
             </a:fld>
             <a:endParaRPr kumimoji="1" lang="ja-JP" altLang="en-US"/>
           </a:p>
@@ -1576,7 +1581,7 @@
           <a:p>
             <a:fld id="{ACE3A02D-358F-4EAA-8AB7-42342BFD6915}" type="datetimeFigureOut">
               <a:rPr kumimoji="1" lang="ja-JP" altLang="en-US" smtClean="0"/>
-              <a:t>2020/7/30</a:t>
+              <a:t>2020/8/2</a:t>
             </a:fld>
             <a:endParaRPr kumimoji="1" lang="ja-JP" altLang="en-US"/>
           </a:p>
@@ -2052,7 +2057,7 @@
           <a:p>
             <a:fld id="{ACE3A02D-358F-4EAA-8AB7-42342BFD6915}" type="datetimeFigureOut">
               <a:rPr kumimoji="1" lang="ja-JP" altLang="en-US" smtClean="0"/>
-              <a:t>2020/7/30</a:t>
+              <a:t>2020/8/2</a:t>
             </a:fld>
             <a:endParaRPr kumimoji="1" lang="ja-JP" altLang="en-US"/>
           </a:p>
@@ -2193,7 +2198,7 @@
           <a:p>
             <a:fld id="{ACE3A02D-358F-4EAA-8AB7-42342BFD6915}" type="datetimeFigureOut">
               <a:rPr kumimoji="1" lang="ja-JP" altLang="en-US" smtClean="0"/>
-              <a:t>2020/7/30</a:t>
+              <a:t>2020/8/2</a:t>
             </a:fld>
             <a:endParaRPr kumimoji="1" lang="ja-JP" altLang="en-US"/>
           </a:p>
@@ -2306,7 +2311,7 @@
           <a:p>
             <a:fld id="{ACE3A02D-358F-4EAA-8AB7-42342BFD6915}" type="datetimeFigureOut">
               <a:rPr kumimoji="1" lang="ja-JP" altLang="en-US" smtClean="0"/>
-              <a:t>2020/7/30</a:t>
+              <a:t>2020/8/2</a:t>
             </a:fld>
             <a:endParaRPr kumimoji="1" lang="ja-JP" altLang="en-US"/>
           </a:p>
@@ -2649,7 +2654,7 @@
           <a:p>
             <a:fld id="{ACE3A02D-358F-4EAA-8AB7-42342BFD6915}" type="datetimeFigureOut">
               <a:rPr kumimoji="1" lang="ja-JP" altLang="en-US" smtClean="0"/>
-              <a:t>2020/7/30</a:t>
+              <a:t>2020/8/2</a:t>
             </a:fld>
             <a:endParaRPr kumimoji="1" lang="ja-JP" altLang="en-US"/>
           </a:p>
@@ -2937,7 +2942,7 @@
           <a:p>
             <a:fld id="{ACE3A02D-358F-4EAA-8AB7-42342BFD6915}" type="datetimeFigureOut">
               <a:rPr kumimoji="1" lang="ja-JP" altLang="en-US" smtClean="0"/>
-              <a:t>2020/7/30</a:t>
+              <a:t>2020/8/2</a:t>
             </a:fld>
             <a:endParaRPr kumimoji="1" lang="ja-JP" altLang="en-US"/>
           </a:p>
@@ -3210,7 +3215,7 @@
           <a:p>
             <a:fld id="{ACE3A02D-358F-4EAA-8AB7-42342BFD6915}" type="datetimeFigureOut">
               <a:rPr kumimoji="1" lang="ja-JP" altLang="en-US" smtClean="0"/>
-              <a:t>2020/7/30</a:t>
+              <a:t>2020/8/2</a:t>
             </a:fld>
             <a:endParaRPr kumimoji="1" lang="ja-JP" altLang="en-US"/>
           </a:p>
@@ -4041,6 +4046,396 @@
     <p:extLst>
       <p:ext uri="{BB962C8B-B14F-4D97-AF65-F5344CB8AC3E}">
         <p14:creationId xmlns:p14="http://schemas.microsoft.com/office/powerpoint/2010/main" val="2141958151"/>
+      </p:ext>
+    </p:extLst>
+  </p:cSld>
+  <p:clrMapOvr>
+    <a:masterClrMapping/>
+  </p:clrMapOvr>
+</p:sld>
+</file>
+
+<file path=ppt/slides/slide15.xml><?xml version="1.0" encoding="utf-8"?>
+<p:sld xmlns:a="http://schemas.openxmlformats.org/drawingml/2006/main" xmlns:r="http://schemas.openxmlformats.org/officeDocument/2006/relationships" xmlns:p="http://schemas.openxmlformats.org/presentationml/2006/main">
+  <p:cSld>
+    <p:spTree>
+      <p:nvGrpSpPr>
+        <p:cNvPr id="1" name=""/>
+        <p:cNvGrpSpPr/>
+        <p:nvPr/>
+      </p:nvGrpSpPr>
+      <p:grpSpPr>
+        <a:xfrm>
+          <a:off x="0" y="0"/>
+          <a:ext cx="0" cy="0"/>
+          <a:chOff x="0" y="0"/>
+          <a:chExt cx="0" cy="0"/>
+        </a:xfrm>
+      </p:grpSpPr>
+      <p:pic>
+        <p:nvPicPr>
+          <p:cNvPr id="5" name="図 4">
+            <a:extLst>
+              <a:ext uri="{FF2B5EF4-FFF2-40B4-BE49-F238E27FC236}">
+                <a16:creationId xmlns:a16="http://schemas.microsoft.com/office/drawing/2014/main" id="{9BA0798B-B034-4AED-8F41-A44DAB6F1095}"/>
+              </a:ext>
+            </a:extLst>
+          </p:cNvPr>
+          <p:cNvPicPr>
+            <a:picLocks noChangeAspect="1"/>
+          </p:cNvPicPr>
+          <p:nvPr/>
+        </p:nvPicPr>
+        <p:blipFill>
+          <a:blip r:embed="rId2"/>
+          <a:stretch>
+            <a:fillRect/>
+          </a:stretch>
+        </p:blipFill>
+        <p:spPr>
+          <a:xfrm>
+            <a:off x="1170888" y="766702"/>
+            <a:ext cx="4925112" cy="866896"/>
+          </a:xfrm>
+          <a:prstGeom prst="rect">
+            <a:avLst/>
+          </a:prstGeom>
+        </p:spPr>
+      </p:pic>
+      <p:pic>
+        <p:nvPicPr>
+          <p:cNvPr id="7" name="図 6">
+            <a:extLst>
+              <a:ext uri="{FF2B5EF4-FFF2-40B4-BE49-F238E27FC236}">
+                <a16:creationId xmlns:a16="http://schemas.microsoft.com/office/drawing/2014/main" id="{A39E57BC-5D12-46C3-8C94-622F21A1FB5F}"/>
+              </a:ext>
+            </a:extLst>
+          </p:cNvPr>
+          <p:cNvPicPr>
+            <a:picLocks noChangeAspect="1"/>
+          </p:cNvPicPr>
+          <p:nvPr/>
+        </p:nvPicPr>
+        <p:blipFill>
+          <a:blip r:embed="rId3"/>
+          <a:stretch>
+            <a:fillRect/>
+          </a:stretch>
+        </p:blipFill>
+        <p:spPr>
+          <a:xfrm>
+            <a:off x="889861" y="2271551"/>
+            <a:ext cx="10412278" cy="2314898"/>
+          </a:xfrm>
+          <a:prstGeom prst="rect">
+            <a:avLst/>
+          </a:prstGeom>
+        </p:spPr>
+      </p:pic>
+    </p:spTree>
+    <p:extLst>
+      <p:ext uri="{BB962C8B-B14F-4D97-AF65-F5344CB8AC3E}">
+        <p14:creationId xmlns:p14="http://schemas.microsoft.com/office/powerpoint/2010/main" val="3895678095"/>
+      </p:ext>
+    </p:extLst>
+  </p:cSld>
+  <p:clrMapOvr>
+    <a:masterClrMapping/>
+  </p:clrMapOvr>
+</p:sld>
+</file>
+
+<file path=ppt/slides/slide16.xml><?xml version="1.0" encoding="utf-8"?>
+<p:sld xmlns:a="http://schemas.openxmlformats.org/drawingml/2006/main" xmlns:r="http://schemas.openxmlformats.org/officeDocument/2006/relationships" xmlns:p="http://schemas.openxmlformats.org/presentationml/2006/main">
+  <p:cSld>
+    <p:spTree>
+      <p:nvGrpSpPr>
+        <p:cNvPr id="1" name=""/>
+        <p:cNvGrpSpPr/>
+        <p:nvPr/>
+      </p:nvGrpSpPr>
+      <p:grpSpPr>
+        <a:xfrm>
+          <a:off x="0" y="0"/>
+          <a:ext cx="0" cy="0"/>
+          <a:chOff x="0" y="0"/>
+          <a:chExt cx="0" cy="0"/>
+        </a:xfrm>
+      </p:grpSpPr>
+      <p:pic>
+        <p:nvPicPr>
+          <p:cNvPr id="5" name="図 4">
+            <a:extLst>
+              <a:ext uri="{FF2B5EF4-FFF2-40B4-BE49-F238E27FC236}">
+                <a16:creationId xmlns:a16="http://schemas.microsoft.com/office/drawing/2014/main" id="{7886B31F-60B0-48A4-8BA8-41990408193C}"/>
+              </a:ext>
+            </a:extLst>
+          </p:cNvPr>
+          <p:cNvPicPr>
+            <a:picLocks noChangeAspect="1"/>
+          </p:cNvPicPr>
+          <p:nvPr/>
+        </p:nvPicPr>
+        <p:blipFill>
+          <a:blip r:embed="rId2"/>
+          <a:stretch>
+            <a:fillRect/>
+          </a:stretch>
+        </p:blipFill>
+        <p:spPr>
+          <a:xfrm>
+            <a:off x="0" y="0"/>
+            <a:ext cx="3410426" cy="5249008"/>
+          </a:xfrm>
+          <a:prstGeom prst="rect">
+            <a:avLst/>
+          </a:prstGeom>
+        </p:spPr>
+      </p:pic>
+      <p:pic>
+        <p:nvPicPr>
+          <p:cNvPr id="9" name="図 8">
+            <a:extLst>
+              <a:ext uri="{FF2B5EF4-FFF2-40B4-BE49-F238E27FC236}">
+                <a16:creationId xmlns:a16="http://schemas.microsoft.com/office/drawing/2014/main" id="{A6ACCF20-1BEB-4A65-BCEF-CDC16FFAAA78}"/>
+              </a:ext>
+            </a:extLst>
+          </p:cNvPr>
+          <p:cNvPicPr>
+            <a:picLocks noChangeAspect="1"/>
+          </p:cNvPicPr>
+          <p:nvPr/>
+        </p:nvPicPr>
+        <p:blipFill>
+          <a:blip r:embed="rId3"/>
+          <a:stretch>
+            <a:fillRect/>
+          </a:stretch>
+        </p:blipFill>
+        <p:spPr>
+          <a:xfrm>
+            <a:off x="261235" y="5619687"/>
+            <a:ext cx="10069330" cy="905001"/>
+          </a:xfrm>
+          <a:prstGeom prst="rect">
+            <a:avLst/>
+          </a:prstGeom>
+        </p:spPr>
+      </p:pic>
+      <p:pic>
+        <p:nvPicPr>
+          <p:cNvPr id="13" name="図 12">
+            <a:extLst>
+              <a:ext uri="{FF2B5EF4-FFF2-40B4-BE49-F238E27FC236}">
+                <a16:creationId xmlns:a16="http://schemas.microsoft.com/office/drawing/2014/main" id="{23D51DFA-C178-4BC7-B97A-308ADF6B93A9}"/>
+              </a:ext>
+            </a:extLst>
+          </p:cNvPr>
+          <p:cNvPicPr>
+            <a:picLocks noChangeAspect="1"/>
+          </p:cNvPicPr>
+          <p:nvPr/>
+        </p:nvPicPr>
+        <p:blipFill>
+          <a:blip r:embed="rId4"/>
+          <a:stretch>
+            <a:fillRect/>
+          </a:stretch>
+        </p:blipFill>
+        <p:spPr>
+          <a:xfrm>
+            <a:off x="3827883" y="0"/>
+            <a:ext cx="8364117" cy="3886742"/>
+          </a:xfrm>
+          <a:prstGeom prst="rect">
+            <a:avLst/>
+          </a:prstGeom>
+        </p:spPr>
+      </p:pic>
+    </p:spTree>
+    <p:extLst>
+      <p:ext uri="{BB962C8B-B14F-4D97-AF65-F5344CB8AC3E}">
+        <p14:creationId xmlns:p14="http://schemas.microsoft.com/office/powerpoint/2010/main" val="2466139505"/>
+      </p:ext>
+    </p:extLst>
+  </p:cSld>
+  <p:clrMapOvr>
+    <a:masterClrMapping/>
+  </p:clrMapOvr>
+</p:sld>
+</file>
+
+<file path=ppt/slides/slide17.xml><?xml version="1.0" encoding="utf-8"?>
+<p:sld xmlns:a="http://schemas.openxmlformats.org/drawingml/2006/main" xmlns:r="http://schemas.openxmlformats.org/officeDocument/2006/relationships" xmlns:p="http://schemas.openxmlformats.org/presentationml/2006/main">
+  <p:cSld>
+    <p:spTree>
+      <p:nvGrpSpPr>
+        <p:cNvPr id="1" name=""/>
+        <p:cNvGrpSpPr/>
+        <p:nvPr/>
+      </p:nvGrpSpPr>
+      <p:grpSpPr>
+        <a:xfrm>
+          <a:off x="0" y="0"/>
+          <a:ext cx="0" cy="0"/>
+          <a:chOff x="0" y="0"/>
+          <a:chExt cx="0" cy="0"/>
+        </a:xfrm>
+      </p:grpSpPr>
+      <p:pic>
+        <p:nvPicPr>
+          <p:cNvPr id="3" name="図 2">
+            <a:extLst>
+              <a:ext uri="{FF2B5EF4-FFF2-40B4-BE49-F238E27FC236}">
+                <a16:creationId xmlns:a16="http://schemas.microsoft.com/office/drawing/2014/main" id="{B2C02845-5807-4B77-AA78-169AC6336EB0}"/>
+              </a:ext>
+            </a:extLst>
+          </p:cNvPr>
+          <p:cNvPicPr>
+            <a:picLocks noChangeAspect="1"/>
+          </p:cNvPicPr>
+          <p:nvPr/>
+        </p:nvPicPr>
+        <p:blipFill>
+          <a:blip r:embed="rId2"/>
+          <a:stretch>
+            <a:fillRect/>
+          </a:stretch>
+        </p:blipFill>
+        <p:spPr>
+          <a:xfrm>
+            <a:off x="0" y="0"/>
+            <a:ext cx="3477110" cy="6411220"/>
+          </a:xfrm>
+          <a:prstGeom prst="rect">
+            <a:avLst/>
+          </a:prstGeom>
+        </p:spPr>
+      </p:pic>
+      <p:pic>
+        <p:nvPicPr>
+          <p:cNvPr id="5" name="図 4">
+            <a:extLst>
+              <a:ext uri="{FF2B5EF4-FFF2-40B4-BE49-F238E27FC236}">
+                <a16:creationId xmlns:a16="http://schemas.microsoft.com/office/drawing/2014/main" id="{05DC29D1-8CBE-4A36-9A36-9F6F84A473AC}"/>
+              </a:ext>
+            </a:extLst>
+          </p:cNvPr>
+          <p:cNvPicPr>
+            <a:picLocks noChangeAspect="1"/>
+          </p:cNvPicPr>
+          <p:nvPr/>
+        </p:nvPicPr>
+        <p:blipFill>
+          <a:blip r:embed="rId3"/>
+          <a:stretch>
+            <a:fillRect/>
+          </a:stretch>
+        </p:blipFill>
+        <p:spPr>
+          <a:xfrm>
+            <a:off x="2208407" y="5958719"/>
+            <a:ext cx="9983593" cy="905001"/>
+          </a:xfrm>
+          <a:prstGeom prst="rect">
+            <a:avLst/>
+          </a:prstGeom>
+        </p:spPr>
+      </p:pic>
+      <p:pic>
+        <p:nvPicPr>
+          <p:cNvPr id="7" name="図 6">
+            <a:extLst>
+              <a:ext uri="{FF2B5EF4-FFF2-40B4-BE49-F238E27FC236}">
+                <a16:creationId xmlns:a16="http://schemas.microsoft.com/office/drawing/2014/main" id="{B10DA205-5410-4AE7-A6BA-87D6A9DD66ED}"/>
+              </a:ext>
+            </a:extLst>
+          </p:cNvPr>
+          <p:cNvPicPr>
+            <a:picLocks noChangeAspect="1"/>
+          </p:cNvPicPr>
+          <p:nvPr/>
+        </p:nvPicPr>
+        <p:blipFill>
+          <a:blip r:embed="rId4"/>
+          <a:stretch>
+            <a:fillRect/>
+          </a:stretch>
+        </p:blipFill>
+        <p:spPr>
+          <a:xfrm>
+            <a:off x="3746435" y="0"/>
+            <a:ext cx="8373644" cy="4105848"/>
+          </a:xfrm>
+          <a:prstGeom prst="rect">
+            <a:avLst/>
+          </a:prstGeom>
+        </p:spPr>
+      </p:pic>
+    </p:spTree>
+    <p:extLst>
+      <p:ext uri="{BB962C8B-B14F-4D97-AF65-F5344CB8AC3E}">
+        <p14:creationId xmlns:p14="http://schemas.microsoft.com/office/powerpoint/2010/main" val="729626762"/>
+      </p:ext>
+    </p:extLst>
+  </p:cSld>
+  <p:clrMapOvr>
+    <a:masterClrMapping/>
+  </p:clrMapOvr>
+</p:sld>
+</file>
+
+<file path=ppt/slides/slide18.xml><?xml version="1.0" encoding="utf-8"?>
+<p:sld xmlns:a="http://schemas.openxmlformats.org/drawingml/2006/main" xmlns:r="http://schemas.openxmlformats.org/officeDocument/2006/relationships" xmlns:p="http://schemas.openxmlformats.org/presentationml/2006/main">
+  <p:cSld>
+    <p:spTree>
+      <p:nvGrpSpPr>
+        <p:cNvPr id="1" name=""/>
+        <p:cNvGrpSpPr/>
+        <p:nvPr/>
+      </p:nvGrpSpPr>
+      <p:grpSpPr>
+        <a:xfrm>
+          <a:off x="0" y="0"/>
+          <a:ext cx="0" cy="0"/>
+          <a:chOff x="0" y="0"/>
+          <a:chExt cx="0" cy="0"/>
+        </a:xfrm>
+      </p:grpSpPr>
+    </p:spTree>
+    <p:extLst>
+      <p:ext uri="{BB962C8B-B14F-4D97-AF65-F5344CB8AC3E}">
+        <p14:creationId xmlns:p14="http://schemas.microsoft.com/office/powerpoint/2010/main" val="108530167"/>
+      </p:ext>
+    </p:extLst>
+  </p:cSld>
+  <p:clrMapOvr>
+    <a:masterClrMapping/>
+  </p:clrMapOvr>
+</p:sld>
+</file>
+
+<file path=ppt/slides/slide19.xml><?xml version="1.0" encoding="utf-8"?>
+<p:sld xmlns:a="http://schemas.openxmlformats.org/drawingml/2006/main" xmlns:r="http://schemas.openxmlformats.org/officeDocument/2006/relationships" xmlns:p="http://schemas.openxmlformats.org/presentationml/2006/main">
+  <p:cSld>
+    <p:spTree>
+      <p:nvGrpSpPr>
+        <p:cNvPr id="1" name=""/>
+        <p:cNvGrpSpPr/>
+        <p:nvPr/>
+      </p:nvGrpSpPr>
+      <p:grpSpPr>
+        <a:xfrm>
+          <a:off x="0" y="0"/>
+          <a:ext cx="0" cy="0"/>
+          <a:chOff x="0" y="0"/>
+          <a:chExt cx="0" cy="0"/>
+        </a:xfrm>
+      </p:grpSpPr>
+    </p:spTree>
+    <p:extLst>
+      <p:ext uri="{BB962C8B-B14F-4D97-AF65-F5344CB8AC3E}">
+        <p14:creationId xmlns:p14="http://schemas.microsoft.com/office/powerpoint/2010/main" val="2005992629"/>
       </p:ext>
     </p:extLst>
   </p:cSld>
